--- a/sbml-level-3/version-1/comp/proposal/SBaseRef.pptx
+++ b/sbml-level-3/version-1/comp/proposal/SBaseRef.pptx
@@ -192,7 +192,7 @@
           <a:p>
             <a:fld id="{7754A941-C6C2-4027-B1F4-A5E937B2245F}" type="datetimeFigureOut">
               <a:rPr lang="en-US" smtClean="0"/>
-              <a:t>5/11/2011</a:t>
+              <a:t>8/31/2011</a:t>
             </a:fld>
             <a:endParaRPr lang="en-US"/>
           </a:p>
@@ -730,7 +730,7 @@
           <a:p>
             <a:fld id="{F0172217-DC24-48CD-AE89-68C8C8D878B4}" type="datetimeFigureOut">
               <a:rPr lang="en-US" smtClean="0"/>
-              <a:t>5/11/2011</a:t>
+              <a:t>8/31/2011</a:t>
             </a:fld>
             <a:endParaRPr lang="en-US"/>
           </a:p>
@@ -900,7 +900,7 @@
           <a:p>
             <a:fld id="{F0172217-DC24-48CD-AE89-68C8C8D878B4}" type="datetimeFigureOut">
               <a:rPr lang="en-US" smtClean="0"/>
-              <a:t>5/11/2011</a:t>
+              <a:t>8/31/2011</a:t>
             </a:fld>
             <a:endParaRPr lang="en-US"/>
           </a:p>
@@ -1080,7 +1080,7 @@
           <a:p>
             <a:fld id="{F0172217-DC24-48CD-AE89-68C8C8D878B4}" type="datetimeFigureOut">
               <a:rPr lang="en-US" smtClean="0"/>
-              <a:t>5/11/2011</a:t>
+              <a:t>8/31/2011</a:t>
             </a:fld>
             <a:endParaRPr lang="en-US"/>
           </a:p>
@@ -1250,7 +1250,7 @@
           <a:p>
             <a:fld id="{F0172217-DC24-48CD-AE89-68C8C8D878B4}" type="datetimeFigureOut">
               <a:rPr lang="en-US" smtClean="0"/>
-              <a:t>5/11/2011</a:t>
+              <a:t>8/31/2011</a:t>
             </a:fld>
             <a:endParaRPr lang="en-US"/>
           </a:p>
@@ -1496,7 +1496,7 @@
           <a:p>
             <a:fld id="{F0172217-DC24-48CD-AE89-68C8C8D878B4}" type="datetimeFigureOut">
               <a:rPr lang="en-US" smtClean="0"/>
-              <a:t>5/11/2011</a:t>
+              <a:t>8/31/2011</a:t>
             </a:fld>
             <a:endParaRPr lang="en-US"/>
           </a:p>
@@ -1784,7 +1784,7 @@
           <a:p>
             <a:fld id="{F0172217-DC24-48CD-AE89-68C8C8D878B4}" type="datetimeFigureOut">
               <a:rPr lang="en-US" smtClean="0"/>
-              <a:t>5/11/2011</a:t>
+              <a:t>8/31/2011</a:t>
             </a:fld>
             <a:endParaRPr lang="en-US"/>
           </a:p>
@@ -2206,7 +2206,7 @@
           <a:p>
             <a:fld id="{F0172217-DC24-48CD-AE89-68C8C8D878B4}" type="datetimeFigureOut">
               <a:rPr lang="en-US" smtClean="0"/>
-              <a:t>5/11/2011</a:t>
+              <a:t>8/31/2011</a:t>
             </a:fld>
             <a:endParaRPr lang="en-US"/>
           </a:p>
@@ -2324,7 +2324,7 @@
           <a:p>
             <a:fld id="{F0172217-DC24-48CD-AE89-68C8C8D878B4}" type="datetimeFigureOut">
               <a:rPr lang="en-US" smtClean="0"/>
-              <a:t>5/11/2011</a:t>
+              <a:t>8/31/2011</a:t>
             </a:fld>
             <a:endParaRPr lang="en-US"/>
           </a:p>
@@ -2419,7 +2419,7 @@
           <a:p>
             <a:fld id="{F0172217-DC24-48CD-AE89-68C8C8D878B4}" type="datetimeFigureOut">
               <a:rPr lang="en-US" smtClean="0"/>
-              <a:t>5/11/2011</a:t>
+              <a:t>8/31/2011</a:t>
             </a:fld>
             <a:endParaRPr lang="en-US"/>
           </a:p>
@@ -2696,7 +2696,7 @@
           <a:p>
             <a:fld id="{F0172217-DC24-48CD-AE89-68C8C8D878B4}" type="datetimeFigureOut">
               <a:rPr lang="en-US" smtClean="0"/>
-              <a:t>5/11/2011</a:t>
+              <a:t>8/31/2011</a:t>
             </a:fld>
             <a:endParaRPr lang="en-US"/>
           </a:p>
@@ -2949,7 +2949,7 @@
           <a:p>
             <a:fld id="{F0172217-DC24-48CD-AE89-68C8C8D878B4}" type="datetimeFigureOut">
               <a:rPr lang="en-US" smtClean="0"/>
-              <a:t>5/11/2011</a:t>
+              <a:t>8/31/2011</a:t>
             </a:fld>
             <a:endParaRPr lang="en-US"/>
           </a:p>
@@ -3162,7 +3162,7 @@
           <a:p>
             <a:fld id="{F0172217-DC24-48CD-AE89-68C8C8D878B4}" type="datetimeFigureOut">
               <a:rPr lang="en-US" smtClean="0"/>
-              <a:t>5/11/2011</a:t>
+              <a:t>8/31/2011</a:t>
             </a:fld>
             <a:endParaRPr lang="en-US"/>
           </a:p>
@@ -3546,9 +3546,9 @@
         <p:grpSpPr>
           <a:xfrm>
             <a:off x="48664" y="91281"/>
-            <a:ext cx="2750905" cy="1364887"/>
+            <a:ext cx="2750905" cy="1214366"/>
             <a:chOff x="56145" y="444299"/>
-            <a:chExt cx="2750905" cy="1364887"/>
+            <a:chExt cx="2750905" cy="1214366"/>
           </a:xfrm>
         </p:grpSpPr>
         <p:grpSp>
@@ -3560,9 +3560,9 @@
           <p:grpSpPr>
             <a:xfrm>
               <a:off x="56145" y="444299"/>
-              <a:ext cx="2750905" cy="1364887"/>
+              <a:ext cx="2750905" cy="1214366"/>
               <a:chOff x="346322" y="279971"/>
-              <a:chExt cx="2750905" cy="1364887"/>
+              <a:chExt cx="2750905" cy="1214366"/>
             </a:xfrm>
           </p:grpSpPr>
           <p:cxnSp>
@@ -3658,12 +3658,12 @@
               </a:p>
               <a:p>
                 <a:r>
-                  <a:rPr lang="en-US" sz="900" dirty="0" smtClean="0">
+                  <a:rPr lang="en-US" sz="900" smtClean="0">
                     <a:solidFill>
                       <a:srgbClr val="0070C0"/>
                     </a:solidFill>
                   </a:rPr>
-                  <a:t>port: </a:t>
+                  <a:t>portRef: </a:t>
                 </a:r>
                 <a:r>
                   <a:rPr lang="en-US" sz="900" dirty="0" err="1" smtClean="0">
@@ -3760,7 +3760,7 @@
                   <a:t>metaIdRef</a:t>
                 </a:r>
                 <a:r>
-                  <a:rPr lang="en-US">
+                  <a:rPr lang="en-US" dirty="0">
                     <a:solidFill>
                       <a:srgbClr val="0070C0"/>
                     </a:solidFill>
@@ -3768,7 +3768,7 @@
                   <a:t>: </a:t>
                 </a:r>
                 <a:r>
-                  <a:rPr lang="en-US" smtClean="0">
+                  <a:rPr lang="en-US" dirty="0" smtClean="0">
                     <a:solidFill>
                       <a:srgbClr val="0070C0"/>
                     </a:solidFill>
@@ -3856,18 +3856,18 @@
               <p:cNvPr id="21" name="Elbow Connector 20"/>
               <p:cNvCxnSpPr>
                 <a:stCxn id="20" idx="2"/>
-                <a:endCxn id="25" idx="0"/>
+                <a:endCxn id="19" idx="2"/>
               </p:cNvCxnSpPr>
               <p:nvPr/>
             </p:nvCxnSpPr>
             <p:spPr>
-              <a:xfrm rot="16200000" flipH="1">
-                <a:off x="766421" y="836536"/>
-                <a:ext cx="213085" cy="973454"/>
+              <a:xfrm rot="5400000" flipH="1" flipV="1">
+                <a:off x="820417" y="614625"/>
+                <a:ext cx="167915" cy="1036278"/>
               </a:xfrm>
               <a:prstGeom prst="bentConnector3">
                 <a:avLst>
-                  <a:gd name="adj1" fmla="val 50000"/>
+                  <a:gd name="adj1" fmla="val -60979"/>
                 </a:avLst>
               </a:prstGeom>
               <a:ln w="6350">
@@ -3900,9 +3900,9 @@
             <p:grpSpPr>
               <a:xfrm>
                 <a:off x="2515058" y="279971"/>
-                <a:ext cx="582169" cy="422032"/>
+                <a:ext cx="582169" cy="342900"/>
                 <a:chOff x="3284528" y="385583"/>
-                <a:chExt cx="582169" cy="422032"/>
+                <a:chExt cx="582169" cy="342900"/>
               </a:xfrm>
             </p:grpSpPr>
             <p:sp>
@@ -3914,7 +3914,7 @@
               <p:spPr>
                 <a:xfrm>
                   <a:off x="3284528" y="385583"/>
-                  <a:ext cx="582169" cy="304800"/>
+                  <a:ext cx="582169" cy="228600"/>
                 </a:xfrm>
                 <a:prstGeom prst="rect">
                   <a:avLst/>
@@ -3966,7 +3966,7 @@
               </p:nvSpPr>
               <p:spPr>
                 <a:xfrm>
-                  <a:off x="3496013" y="693315"/>
+                  <a:off x="3496012" y="614183"/>
                   <a:ext cx="159199" cy="114300"/>
                 </a:xfrm>
                 <a:prstGeom prst="triangle">
@@ -4064,102 +4064,6 @@
               </a:p>
             </p:txBody>
           </p:sp>
-          <p:cxnSp>
-            <p:nvCxnSpPr>
-              <p:cNvPr id="24" name="Elbow Connector 23"/>
-              <p:cNvCxnSpPr>
-                <a:stCxn id="25" idx="3"/>
-                <a:endCxn id="27" idx="3"/>
-              </p:cNvCxnSpPr>
-              <p:nvPr/>
-            </p:nvCxnSpPr>
-            <p:spPr>
-              <a:xfrm flipV="1">
-                <a:off x="2236493" y="702003"/>
-                <a:ext cx="569650" cy="835329"/>
-              </a:xfrm>
-              <a:prstGeom prst="bentConnector2">
-                <a:avLst/>
-              </a:prstGeom>
-              <a:ln w="6350">
-                <a:solidFill>
-                  <a:srgbClr val="0070C0"/>
-                </a:solidFill>
-              </a:ln>
-            </p:spPr>
-            <p:style>
-              <a:lnRef idx="1">
-                <a:schemeClr val="accent1"/>
-              </a:lnRef>
-              <a:fillRef idx="0">
-                <a:schemeClr val="accent1"/>
-              </a:fillRef>
-              <a:effectRef idx="0">
-                <a:schemeClr val="accent1"/>
-              </a:effectRef>
-              <a:fontRef idx="minor">
-                <a:schemeClr val="tx1"/>
-              </a:fontRef>
-            </p:style>
-          </p:cxnSp>
-          <p:sp>
-            <p:nvSpPr>
-              <p:cNvPr id="25" name="Rectangle 24"/>
-              <p:cNvSpPr/>
-              <p:nvPr/>
-            </p:nvSpPr>
-            <p:spPr>
-              <a:xfrm>
-                <a:off x="482887" y="1429806"/>
-                <a:ext cx="1753606" cy="215052"/>
-              </a:xfrm>
-              <a:prstGeom prst="rect">
-                <a:avLst/>
-              </a:prstGeom>
-              <a:noFill/>
-              <a:ln w="6350">
-                <a:solidFill>
-                  <a:srgbClr val="0070C0"/>
-                </a:solidFill>
-              </a:ln>
-            </p:spPr>
-            <p:style>
-              <a:lnRef idx="2">
-                <a:schemeClr val="accent1">
-                  <a:shade val="50000"/>
-                </a:schemeClr>
-              </a:lnRef>
-              <a:fillRef idx="1">
-                <a:schemeClr val="accent1"/>
-              </a:fillRef>
-              <a:effectRef idx="0">
-                <a:schemeClr val="accent1"/>
-              </a:effectRef>
-              <a:fontRef idx="minor">
-                <a:schemeClr val="lt1"/>
-              </a:fontRef>
-            </p:style>
-            <p:txBody>
-              <a:bodyPr lIns="91440" tIns="45720" rIns="91440" bIns="45720" spcCol="0" rtlCol="0" anchor="t"/>
-              <a:lstStyle/>
-              <a:p>
-                <a:pPr algn="ctr"/>
-                <a:r>
-                  <a:rPr lang="en-US" sz="1100" b="1" dirty="0" err="1" smtClean="0">
-                    <a:solidFill>
-                      <a:srgbClr val="0070C0"/>
-                    </a:solidFill>
-                  </a:rPr>
-                  <a:t>SBaseRef</a:t>
-                </a:r>
-                <a:endParaRPr lang="en-US" sz="1100" b="1" dirty="0" smtClean="0">
-                  <a:solidFill>
-                    <a:srgbClr val="0070C0"/>
-                  </a:solidFill>
-                </a:endParaRPr>
-              </a:p>
-            </p:txBody>
-          </p:sp>
         </p:grpSp>
         <p:cxnSp>
           <p:nvCxnSpPr>
@@ -4171,15 +4075,12 @@
             <p:nvPr/>
           </p:nvCxnSpPr>
           <p:spPr>
-            <a:xfrm>
-              <a:off x="2168614" y="828717"/>
-              <a:ext cx="347352" cy="37614"/>
+            <a:xfrm flipV="1">
+              <a:off x="2168614" y="787199"/>
+              <a:ext cx="347351" cy="41518"/>
             </a:xfrm>
-            <a:prstGeom prst="bentConnector4">
-              <a:avLst>
-                <a:gd name="adj1" fmla="val 38542"/>
-                <a:gd name="adj2" fmla="val 707752"/>
-              </a:avLst>
+            <a:prstGeom prst="bentConnector2">
+              <a:avLst/>
             </a:prstGeom>
             <a:ln w="6350">
               <a:solidFill>
